--- a/Mayaオペレーション１/第8回ナイフ制作.pptx
+++ b/Mayaオペレーション１/第8回ナイフ制作.pptx
@@ -210,7 +210,7 @@
           <a:p>
             <a:fld id="{7FAFC1C1-A0B3-4216-9829-7D250BC027E5}" type="datetimeFigureOut">
               <a:rPr kumimoji="1" lang="ja-JP" altLang="en-US" smtClean="0"/>
-              <a:t>2021/6/23</a:t>
+              <a:t>2021/7/11</a:t>
             </a:fld>
             <a:endParaRPr kumimoji="1" lang="ja-JP" altLang="en-US"/>
           </a:p>
@@ -666,7 +666,7 @@
           <a:p>
             <a:fld id="{2F525C4B-B3F4-4B9F-9471-2865EC5F20A3}" type="datetime1">
               <a:rPr kumimoji="1" lang="ja-JP" altLang="en-US" smtClean="0"/>
-              <a:t>2021/6/23</a:t>
+              <a:t>2021/7/11</a:t>
             </a:fld>
             <a:endParaRPr kumimoji="1" lang="ja-JP" altLang="en-US"/>
           </a:p>
@@ -1008,7 +1008,7 @@
           <a:p>
             <a:fld id="{1C1719B6-93E3-4171-A6F3-BAB07F507337}" type="datetime1">
               <a:rPr kumimoji="1" lang="ja-JP" altLang="en-US" smtClean="0"/>
-              <a:t>2021/6/23</a:t>
+              <a:t>2021/7/11</a:t>
             </a:fld>
             <a:endParaRPr kumimoji="1" lang="ja-JP" altLang="en-US"/>
           </a:p>
@@ -1413,7 +1413,7 @@
           <a:p>
             <a:fld id="{D680BE0F-803A-4E90-A5F9-2FCCDE7CE167}" type="datetime1">
               <a:rPr kumimoji="1" lang="ja-JP" altLang="en-US" smtClean="0"/>
-              <a:t>2021/6/23</a:t>
+              <a:t>2021/7/11</a:t>
             </a:fld>
             <a:endParaRPr kumimoji="1" lang="ja-JP" altLang="en-US"/>
           </a:p>
@@ -1753,7 +1753,7 @@
           <a:p>
             <a:fld id="{C92A6986-EDA9-447B-9FBB-2577140EAB0B}" type="datetime1">
               <a:rPr kumimoji="1" lang="ja-JP" altLang="en-US" smtClean="0"/>
-              <a:t>2021/6/23</a:t>
+              <a:t>2021/7/11</a:t>
             </a:fld>
             <a:endParaRPr kumimoji="1" lang="ja-JP" altLang="en-US"/>
           </a:p>
@@ -2077,7 +2077,7 @@
           <a:p>
             <a:fld id="{A3037999-2186-467B-90F9-4DC7D74BB0A6}" type="datetime1">
               <a:rPr kumimoji="1" lang="ja-JP" altLang="en-US" smtClean="0"/>
-              <a:t>2021/6/23</a:t>
+              <a:t>2021/7/11</a:t>
             </a:fld>
             <a:endParaRPr kumimoji="1" lang="ja-JP" altLang="en-US"/>
           </a:p>
@@ -2477,7 +2477,7 @@
           <a:p>
             <a:fld id="{AB977364-C86D-4730-B482-A6E130B1677F}" type="datetime1">
               <a:rPr kumimoji="1" lang="ja-JP" altLang="en-US" smtClean="0"/>
-              <a:t>2021/6/23</a:t>
+              <a:t>2021/7/11</a:t>
             </a:fld>
             <a:endParaRPr kumimoji="1" lang="ja-JP" altLang="en-US"/>
           </a:p>
@@ -2738,7 +2738,7 @@
           <a:p>
             <a:fld id="{9A30BDF9-414C-4B6A-954F-87A68273C186}" type="datetime1">
               <a:rPr kumimoji="1" lang="ja-JP" altLang="en-US" smtClean="0"/>
-              <a:t>2021/6/23</a:t>
+              <a:t>2021/7/11</a:t>
             </a:fld>
             <a:endParaRPr kumimoji="1" lang="ja-JP" altLang="en-US"/>
           </a:p>
@@ -3004,7 +3004,7 @@
           <a:p>
             <a:fld id="{4EDB356F-D0F0-4120-AEFE-BE87EFE4EEAA}" type="datetime1">
               <a:rPr kumimoji="1" lang="ja-JP" altLang="en-US" smtClean="0"/>
-              <a:t>2021/6/23</a:t>
+              <a:t>2021/7/11</a:t>
             </a:fld>
             <a:endParaRPr kumimoji="1" lang="ja-JP" altLang="en-US"/>
           </a:p>
@@ -3275,7 +3275,7 @@
           <a:p>
             <a:fld id="{2EB838DA-CBFE-40F6-B5B5-D5626B97E12A}" type="datetime1">
               <a:rPr kumimoji="1" lang="ja-JP" altLang="en-US" smtClean="0"/>
-              <a:t>2021/6/23</a:t>
+              <a:t>2021/7/11</a:t>
             </a:fld>
             <a:endParaRPr kumimoji="1" lang="ja-JP" altLang="en-US"/>
           </a:p>
@@ -3613,7 +3613,7 @@
           <a:p>
             <a:fld id="{920117EA-6FE5-462A-928B-3213FB364B06}" type="datetime1">
               <a:rPr kumimoji="1" lang="ja-JP" altLang="en-US" smtClean="0"/>
-              <a:t>2021/6/23</a:t>
+              <a:t>2021/7/11</a:t>
             </a:fld>
             <a:endParaRPr kumimoji="1" lang="ja-JP" altLang="en-US"/>
           </a:p>
@@ -3940,7 +3940,7 @@
           <a:p>
             <a:fld id="{3923CF8D-F13D-4940-9A34-53DB75706D24}" type="datetime1">
               <a:rPr kumimoji="1" lang="ja-JP" altLang="en-US" smtClean="0"/>
-              <a:t>2021/6/23</a:t>
+              <a:t>2021/7/11</a:t>
             </a:fld>
             <a:endParaRPr kumimoji="1" lang="ja-JP" altLang="en-US"/>
           </a:p>
@@ -4401,7 +4401,7 @@
           <a:p>
             <a:fld id="{D1FA3083-3E9A-4127-BEBF-BAA778295AF6}" type="datetime1">
               <a:rPr kumimoji="1" lang="ja-JP" altLang="en-US" smtClean="0"/>
-              <a:t>2021/6/23</a:t>
+              <a:t>2021/7/11</a:t>
             </a:fld>
             <a:endParaRPr kumimoji="1" lang="ja-JP" altLang="en-US"/>
           </a:p>
@@ -4610,7 +4610,7 @@
           <a:p>
             <a:fld id="{872FF1D8-6933-48FE-9666-CBCA4AA90D2C}" type="datetime1">
               <a:rPr kumimoji="1" lang="ja-JP" altLang="en-US" smtClean="0"/>
-              <a:t>2021/6/23</a:t>
+              <a:t>2021/7/11</a:t>
             </a:fld>
             <a:endParaRPr kumimoji="1" lang="ja-JP" altLang="en-US"/>
           </a:p>
@@ -4791,7 +4791,7 @@
           <a:p>
             <a:fld id="{5A572E92-214F-40DF-9F8C-B673867FB301}" type="datetime1">
               <a:rPr kumimoji="1" lang="ja-JP" altLang="en-US" smtClean="0"/>
-              <a:t>2021/6/23</a:t>
+              <a:t>2021/7/11</a:t>
             </a:fld>
             <a:endParaRPr kumimoji="1" lang="ja-JP" altLang="en-US"/>
           </a:p>
@@ -5128,7 +5128,7 @@
           <a:p>
             <a:fld id="{A4B78F66-FBE8-4AC7-BDEE-ED5B4150F91F}" type="datetime1">
               <a:rPr kumimoji="1" lang="ja-JP" altLang="en-US" smtClean="0"/>
-              <a:t>2021/6/23</a:t>
+              <a:t>2021/7/11</a:t>
             </a:fld>
             <a:endParaRPr kumimoji="1" lang="ja-JP" altLang="en-US"/>
           </a:p>
@@ -5477,7 +5477,7 @@
           <a:p>
             <a:fld id="{C467190C-2B7A-400A-A39D-DEB13E974FC3}" type="datetime1">
               <a:rPr kumimoji="1" lang="ja-JP" altLang="en-US" smtClean="0"/>
-              <a:t>2021/6/23</a:t>
+              <a:t>2021/7/11</a:t>
             </a:fld>
             <a:endParaRPr kumimoji="1" lang="ja-JP" altLang="en-US"/>
           </a:p>
@@ -7598,7 +7598,7 @@
           <a:p>
             <a:fld id="{231C5E0D-C369-4648-8767-D2D15ADF89E7}" type="datetime1">
               <a:rPr kumimoji="1" lang="ja-JP" altLang="en-US" smtClean="0"/>
-              <a:t>2021/6/23</a:t>
+              <a:t>2021/7/11</a:t>
             </a:fld>
             <a:endParaRPr kumimoji="1" lang="ja-JP" altLang="en-US"/>
           </a:p>
@@ -10764,14 +10764,9 @@
             </a:r>
             <a:r>
               <a:rPr kumimoji="1" lang="ja-JP" altLang="en-US" dirty="0"/>
-              <a:t>作成。→ツイートを参考にする</a:t>
-            </a:r>
-          </a:p>
-          <a:p>
-            <a:r>
-              <a:rPr kumimoji="1" lang="en-US" altLang="ja-JP" dirty="0"/>
-              <a:t>https://twitter.com/harker451/status/1312691646639665152</a:t>
-            </a:r>
+              <a:t>作成。</a:t>
+            </a:r>
+            <a:endParaRPr kumimoji="1" lang="en-US" altLang="ja-JP"/>
           </a:p>
           <a:p>
             <a:r>
